--- a/sesija-09/PPT/Front-End Developer-09.pptx
+++ b/sesija-09/PPT/Front-End Developer-09.pptx
@@ -6,7 +6,7 @@
     <p:sldMasterId id="2147483676" r:id="rId2"/>
   </p:sldMasterIdLst>
   <p:notesMasterIdLst>
-    <p:notesMasterId r:id="rId10"/>
+    <p:notesMasterId r:id="rId20"/>
   </p:notesMasterIdLst>
   <p:sldIdLst>
     <p:sldId id="256" r:id="rId3"/>
@@ -16,6 +16,16 @@
     <p:sldId id="262" r:id="rId7"/>
     <p:sldId id="263" r:id="rId8"/>
     <p:sldId id="264" r:id="rId9"/>
+    <p:sldId id="265" r:id="rId10"/>
+    <p:sldId id="271" r:id="rId11"/>
+    <p:sldId id="272" r:id="rId12"/>
+    <p:sldId id="273" r:id="rId13"/>
+    <p:sldId id="274" r:id="rId14"/>
+    <p:sldId id="266" r:id="rId15"/>
+    <p:sldId id="267" r:id="rId16"/>
+    <p:sldId id="268" r:id="rId17"/>
+    <p:sldId id="269" r:id="rId18"/>
+    <p:sldId id="270" r:id="rId19"/>
   </p:sldIdLst>
   <p:sldSz cx="12192000" cy="6858000"/>
   <p:notesSz cx="6858000" cy="9144000"/>
@@ -126,6 +136,16 @@
             <p14:sldId id="262"/>
             <p14:sldId id="263"/>
             <p14:sldId id="264"/>
+            <p14:sldId id="265"/>
+            <p14:sldId id="271"/>
+            <p14:sldId id="272"/>
+            <p14:sldId id="273"/>
+            <p14:sldId id="274"/>
+            <p14:sldId id="266"/>
+            <p14:sldId id="267"/>
+            <p14:sldId id="268"/>
+            <p14:sldId id="269"/>
+            <p14:sldId id="270"/>
           </p14:sldIdLst>
         </p14:section>
       </p14:sectionLst>
@@ -2461,7 +2481,7 @@
           <a:p>
             <a:fld id="{D32AC403-8EB1-4D4E-8C3A-24BD19820531}" type="datetimeFigureOut">
               <a:rPr lang="en-US" smtClean="0"/>
-              <a:t>25-Feb-18</a:t>
+              <a:t>27-Feb-18</a:t>
             </a:fld>
             <a:endParaRPr lang="en-US"/>
           </a:p>
@@ -3207,7 +3227,7 @@
           <a:p>
             <a:fld id="{B35B300D-7DF5-4E96-8AA6-60E94C6E9F44}" type="datetimeFigureOut">
               <a:rPr lang="sr-Latn-RS" smtClean="0"/>
-              <a:t>25.2.2018.</a:t>
+              <a:t>27.2.2018.</a:t>
             </a:fld>
             <a:endParaRPr lang="sr-Latn-RS"/>
           </a:p>
@@ -3641,7 +3661,7 @@
           <a:p>
             <a:fld id="{B35B300D-7DF5-4E96-8AA6-60E94C6E9F44}" type="datetimeFigureOut">
               <a:rPr lang="sr-Latn-RS" smtClean="0"/>
-              <a:t>25.2.2018.</a:t>
+              <a:t>27.2.2018.</a:t>
             </a:fld>
             <a:endParaRPr lang="sr-Latn-RS"/>
           </a:p>
@@ -4015,7 +4035,7 @@
           <a:p>
             <a:fld id="{B35B300D-7DF5-4E96-8AA6-60E94C6E9F44}" type="datetimeFigureOut">
               <a:rPr lang="sr-Latn-RS" smtClean="0"/>
-              <a:t>25.2.2018.</a:t>
+              <a:t>27.2.2018.</a:t>
             </a:fld>
             <a:endParaRPr lang="sr-Latn-RS"/>
           </a:p>
@@ -4299,7 +4319,7 @@
           <a:p>
             <a:fld id="{B35B300D-7DF5-4E96-8AA6-60E94C6E9F44}" type="datetimeFigureOut">
               <a:rPr lang="sr-Latn-RS" smtClean="0"/>
-              <a:t>25.2.2018.</a:t>
+              <a:t>27.2.2018.</a:t>
             </a:fld>
             <a:endParaRPr lang="sr-Latn-RS"/>
           </a:p>
@@ -4476,7 +4496,7 @@
           <a:p>
             <a:fld id="{B35B300D-7DF5-4E96-8AA6-60E94C6E9F44}" type="datetimeFigureOut">
               <a:rPr lang="sr-Latn-RS" smtClean="0"/>
-              <a:t>25.2.2018.</a:t>
+              <a:t>27.2.2018.</a:t>
             </a:fld>
             <a:endParaRPr lang="sr-Latn-RS"/>
           </a:p>
@@ -4663,7 +4683,7 @@
           <a:p>
             <a:fld id="{B35B300D-7DF5-4E96-8AA6-60E94C6E9F44}" type="datetimeFigureOut">
               <a:rPr lang="sr-Latn-RS" smtClean="0"/>
-              <a:t>25.2.2018.</a:t>
+              <a:t>27.2.2018.</a:t>
             </a:fld>
             <a:endParaRPr lang="sr-Latn-RS"/>
           </a:p>
@@ -4910,7 +4930,7 @@
           <a:p>
             <a:fld id="{B35B300D-7DF5-4E96-8AA6-60E94C6E9F44}" type="datetimeFigureOut">
               <a:rPr lang="sr-Latn-RS" smtClean="0"/>
-              <a:t>25.2.2018.</a:t>
+              <a:t>27.2.2018.</a:t>
             </a:fld>
             <a:endParaRPr lang="sr-Latn-RS"/>
           </a:p>
@@ -5194,7 +5214,7 @@
           <a:p>
             <a:fld id="{B35B300D-7DF5-4E96-8AA6-60E94C6E9F44}" type="datetimeFigureOut">
               <a:rPr lang="sr-Latn-RS" smtClean="0"/>
-              <a:t>25.2.2018.</a:t>
+              <a:t>27.2.2018.</a:t>
             </a:fld>
             <a:endParaRPr lang="sr-Latn-RS"/>
           </a:p>
@@ -7113,7 +7133,7 @@
           <a:p>
             <a:fld id="{B35B300D-7DF5-4E96-8AA6-60E94C6E9F44}" type="datetimeFigureOut">
               <a:rPr lang="sr-Latn-RS" smtClean="0"/>
-              <a:t>25.2.2018.</a:t>
+              <a:t>27.2.2018.</a:t>
             </a:fld>
             <a:endParaRPr lang="sr-Latn-RS"/>
           </a:p>
@@ -7596,6 +7616,707 @@
 </p:sld>
 </file>
 
+<file path=ppt/slides/slide10.xml><?xml version="1.0" encoding="utf-8"?>
+<p:sld xmlns:a="http://schemas.openxmlformats.org/drawingml/2006/main" xmlns:r="http://schemas.openxmlformats.org/officeDocument/2006/relationships" xmlns:p="http://schemas.openxmlformats.org/presentationml/2006/main">
+  <p:cSld>
+    <p:spTree>
+      <p:nvGrpSpPr>
+        <p:cNvPr id="1" name=""/>
+        <p:cNvGrpSpPr/>
+        <p:nvPr/>
+      </p:nvGrpSpPr>
+      <p:grpSpPr>
+        <a:xfrm>
+          <a:off x="0" y="0"/>
+          <a:ext cx="0" cy="0"/>
+          <a:chOff x="0" y="0"/>
+          <a:chExt cx="0" cy="0"/>
+        </a:xfrm>
+      </p:grpSpPr>
+      <p:sp>
+        <p:nvSpPr>
+          <p:cNvPr id="2" name="Title 1"/>
+          <p:cNvSpPr>
+            <a:spLocks noGrp="1"/>
+          </p:cNvSpPr>
+          <p:nvPr>
+            <p:ph type="title"/>
+          </p:nvPr>
+        </p:nvSpPr>
+        <p:spPr/>
+        <p:txBody>
+          <a:bodyPr/>
+          <a:lstStyle/>
+          <a:p>
+            <a:r>
+              <a:rPr lang="en-US" smtClean="0"/>
+              <a:t>Variable object</a:t>
+            </a:r>
+            <a:endParaRPr lang="sr-Latn-RS"/>
+          </a:p>
+        </p:txBody>
+      </p:sp>
+      <p:pic>
+        <p:nvPicPr>
+          <p:cNvPr id="4" name="Picture 3"/>
+          <p:cNvPicPr>
+            <a:picLocks noChangeAspect="1"/>
+          </p:cNvPicPr>
+          <p:nvPr/>
+        </p:nvPicPr>
+        <p:blipFill>
+          <a:blip r:embed="rId2"/>
+          <a:stretch>
+            <a:fillRect/>
+          </a:stretch>
+        </p:blipFill>
+        <p:spPr>
+          <a:xfrm>
+            <a:off x="488179" y="1418400"/>
+            <a:ext cx="11215041" cy="4736296"/>
+          </a:xfrm>
+          <a:prstGeom prst="rect">
+            <a:avLst/>
+          </a:prstGeom>
+        </p:spPr>
+      </p:pic>
+    </p:spTree>
+    <p:extLst>
+      <p:ext uri="{BB962C8B-B14F-4D97-AF65-F5344CB8AC3E}">
+        <p14:creationId xmlns:p14="http://schemas.microsoft.com/office/powerpoint/2010/main" val="3334350173"/>
+      </p:ext>
+    </p:extLst>
+  </p:cSld>
+  <p:clrMapOvr>
+    <a:masterClrMapping/>
+  </p:clrMapOvr>
+</p:sld>
+</file>
+
+<file path=ppt/slides/slide11.xml><?xml version="1.0" encoding="utf-8"?>
+<p:sld xmlns:a="http://schemas.openxmlformats.org/drawingml/2006/main" xmlns:r="http://schemas.openxmlformats.org/officeDocument/2006/relationships" xmlns:p="http://schemas.openxmlformats.org/presentationml/2006/main">
+  <p:cSld>
+    <p:spTree>
+      <p:nvGrpSpPr>
+        <p:cNvPr id="1" name=""/>
+        <p:cNvGrpSpPr/>
+        <p:nvPr/>
+      </p:nvGrpSpPr>
+      <p:grpSpPr>
+        <a:xfrm>
+          <a:off x="0" y="0"/>
+          <a:ext cx="0" cy="0"/>
+          <a:chOff x="0" y="0"/>
+          <a:chExt cx="0" cy="0"/>
+        </a:xfrm>
+      </p:grpSpPr>
+      <p:sp>
+        <p:nvSpPr>
+          <p:cNvPr id="2" name="Title 1"/>
+          <p:cNvSpPr>
+            <a:spLocks noGrp="1"/>
+          </p:cNvSpPr>
+          <p:nvPr>
+            <p:ph type="title"/>
+          </p:nvPr>
+        </p:nvSpPr>
+        <p:spPr/>
+        <p:txBody>
+          <a:bodyPr/>
+          <a:lstStyle/>
+          <a:p>
+            <a:r>
+              <a:rPr lang="en-US" smtClean="0"/>
+              <a:t>Hoisting - primer</a:t>
+            </a:r>
+            <a:endParaRPr lang="sr-Latn-RS"/>
+          </a:p>
+        </p:txBody>
+      </p:sp>
+      <p:pic>
+        <p:nvPicPr>
+          <p:cNvPr id="4" name="Content Placeholder 3"/>
+          <p:cNvPicPr>
+            <a:picLocks noGrp="1" noChangeAspect="1"/>
+          </p:cNvPicPr>
+          <p:nvPr>
+            <p:ph sz="quarter" idx="10"/>
+          </p:nvPr>
+        </p:nvPicPr>
+        <p:blipFill>
+          <a:blip r:embed="rId2"/>
+          <a:stretch>
+            <a:fillRect/>
+          </a:stretch>
+        </p:blipFill>
+        <p:spPr>
+          <a:xfrm>
+            <a:off x="3145150" y="1560599"/>
+            <a:ext cx="3854165" cy="4592046"/>
+          </a:xfrm>
+          <a:prstGeom prst="rect">
+            <a:avLst/>
+          </a:prstGeom>
+        </p:spPr>
+      </p:pic>
+    </p:spTree>
+    <p:extLst>
+      <p:ext uri="{BB962C8B-B14F-4D97-AF65-F5344CB8AC3E}">
+        <p14:creationId xmlns:p14="http://schemas.microsoft.com/office/powerpoint/2010/main" val="1746076935"/>
+      </p:ext>
+    </p:extLst>
+  </p:cSld>
+  <p:clrMapOvr>
+    <a:masterClrMapping/>
+  </p:clrMapOvr>
+</p:sld>
+</file>
+
+<file path=ppt/slides/slide12.xml><?xml version="1.0" encoding="utf-8"?>
+<p:sld xmlns:a="http://schemas.openxmlformats.org/drawingml/2006/main" xmlns:r="http://schemas.openxmlformats.org/officeDocument/2006/relationships" xmlns:p="http://schemas.openxmlformats.org/presentationml/2006/main">
+  <p:cSld>
+    <p:spTree>
+      <p:nvGrpSpPr>
+        <p:cNvPr id="1" name=""/>
+        <p:cNvGrpSpPr/>
+        <p:nvPr/>
+      </p:nvGrpSpPr>
+      <p:grpSpPr>
+        <a:xfrm>
+          <a:off x="0" y="0"/>
+          <a:ext cx="0" cy="0"/>
+          <a:chOff x="0" y="0"/>
+          <a:chExt cx="0" cy="0"/>
+        </a:xfrm>
+      </p:grpSpPr>
+      <p:sp>
+        <p:nvSpPr>
+          <p:cNvPr id="2" name="Title 1"/>
+          <p:cNvSpPr>
+            <a:spLocks noGrp="1"/>
+          </p:cNvSpPr>
+          <p:nvPr>
+            <p:ph type="title"/>
+          </p:nvPr>
+        </p:nvSpPr>
+        <p:spPr/>
+        <p:txBody>
+          <a:bodyPr/>
+          <a:lstStyle/>
+          <a:p>
+            <a:r>
+              <a:rPr lang="en-US" smtClean="0"/>
+              <a:t>Hoisting - vezbe</a:t>
+            </a:r>
+            <a:endParaRPr lang="sr-Latn-RS"/>
+          </a:p>
+        </p:txBody>
+      </p:sp>
+      <p:sp>
+        <p:nvSpPr>
+          <p:cNvPr id="3" name="Content Placeholder 2"/>
+          <p:cNvSpPr>
+            <a:spLocks noGrp="1"/>
+          </p:cNvSpPr>
+          <p:nvPr>
+            <p:ph sz="quarter" idx="10"/>
+          </p:nvPr>
+        </p:nvSpPr>
+        <p:spPr/>
+        <p:txBody>
+          <a:bodyPr/>
+          <a:lstStyle/>
+          <a:p>
+            <a:r>
+              <a:rPr lang="sr-Latn-RS">
+                <a:hlinkClick r:id="rId2"/>
+              </a:rPr>
+              <a:t>https</a:t>
+            </a:r>
+            <a:r>
+              <a:rPr lang="sr-Latn-RS">
+                <a:hlinkClick r:id="rId2"/>
+              </a:rPr>
+              <a:t>://</a:t>
+            </a:r>
+            <a:r>
+              <a:rPr lang="sr-Latn-RS" smtClean="0">
+                <a:hlinkClick r:id="rId2"/>
+              </a:rPr>
+              <a:t>www.w3schools.com/js/js_hoisting.asp</a:t>
+            </a:r>
+            <a:endParaRPr lang="en-US" smtClean="0"/>
+          </a:p>
+          <a:p>
+            <a:endParaRPr lang="sr-Latn-RS"/>
+          </a:p>
+        </p:txBody>
+      </p:sp>
+    </p:spTree>
+    <p:extLst>
+      <p:ext uri="{BB962C8B-B14F-4D97-AF65-F5344CB8AC3E}">
+        <p14:creationId xmlns:p14="http://schemas.microsoft.com/office/powerpoint/2010/main" val="4202785491"/>
+      </p:ext>
+    </p:extLst>
+  </p:cSld>
+  <p:clrMapOvr>
+    <a:masterClrMapping/>
+  </p:clrMapOvr>
+</p:sld>
+</file>
+
+<file path=ppt/slides/slide13.xml><?xml version="1.0" encoding="utf-8"?>
+<p:sld xmlns:a="http://schemas.openxmlformats.org/drawingml/2006/main" xmlns:r="http://schemas.openxmlformats.org/officeDocument/2006/relationships" xmlns:p="http://schemas.openxmlformats.org/presentationml/2006/main">
+  <p:cSld>
+    <p:spTree>
+      <p:nvGrpSpPr>
+        <p:cNvPr id="1" name=""/>
+        <p:cNvGrpSpPr/>
+        <p:nvPr/>
+      </p:nvGrpSpPr>
+      <p:grpSpPr>
+        <a:xfrm>
+          <a:off x="0" y="0"/>
+          <a:ext cx="0" cy="0"/>
+          <a:chOff x="0" y="0"/>
+          <a:chExt cx="0" cy="0"/>
+        </a:xfrm>
+      </p:grpSpPr>
+      <p:sp>
+        <p:nvSpPr>
+          <p:cNvPr id="2" name="Title 1"/>
+          <p:cNvSpPr>
+            <a:spLocks noGrp="1"/>
+          </p:cNvSpPr>
+          <p:nvPr>
+            <p:ph type="title"/>
+          </p:nvPr>
+        </p:nvSpPr>
+        <p:spPr/>
+        <p:txBody>
+          <a:bodyPr/>
+          <a:lstStyle/>
+          <a:p>
+            <a:r>
+              <a:rPr lang="en-US" smtClean="0"/>
+              <a:t>Scoping and scoping chain</a:t>
+            </a:r>
+            <a:endParaRPr lang="sr-Latn-RS"/>
+          </a:p>
+        </p:txBody>
+      </p:sp>
+      <p:pic>
+        <p:nvPicPr>
+          <p:cNvPr id="5" name="Picture 4"/>
+          <p:cNvPicPr>
+            <a:picLocks noChangeAspect="1"/>
+          </p:cNvPicPr>
+          <p:nvPr/>
+        </p:nvPicPr>
+        <p:blipFill>
+          <a:blip r:embed="rId2"/>
+          <a:stretch>
+            <a:fillRect/>
+          </a:stretch>
+        </p:blipFill>
+        <p:spPr>
+          <a:xfrm>
+            <a:off x="536902" y="1267399"/>
+            <a:ext cx="9163208" cy="4684514"/>
+          </a:xfrm>
+          <a:prstGeom prst="rect">
+            <a:avLst/>
+          </a:prstGeom>
+        </p:spPr>
+      </p:pic>
+    </p:spTree>
+    <p:extLst>
+      <p:ext uri="{BB962C8B-B14F-4D97-AF65-F5344CB8AC3E}">
+        <p14:creationId xmlns:p14="http://schemas.microsoft.com/office/powerpoint/2010/main" val="2493174793"/>
+      </p:ext>
+    </p:extLst>
+  </p:cSld>
+  <p:clrMapOvr>
+    <a:masterClrMapping/>
+  </p:clrMapOvr>
+</p:sld>
+</file>
+
+<file path=ppt/slides/slide14.xml><?xml version="1.0" encoding="utf-8"?>
+<p:sld xmlns:a="http://schemas.openxmlformats.org/drawingml/2006/main" xmlns:r="http://schemas.openxmlformats.org/officeDocument/2006/relationships" xmlns:p="http://schemas.openxmlformats.org/presentationml/2006/main">
+  <p:cSld>
+    <p:spTree>
+      <p:nvGrpSpPr>
+        <p:cNvPr id="1" name=""/>
+        <p:cNvGrpSpPr/>
+        <p:nvPr/>
+      </p:nvGrpSpPr>
+      <p:grpSpPr>
+        <a:xfrm>
+          <a:off x="0" y="0"/>
+          <a:ext cx="0" cy="0"/>
+          <a:chOff x="0" y="0"/>
+          <a:chExt cx="0" cy="0"/>
+        </a:xfrm>
+      </p:grpSpPr>
+      <p:sp>
+        <p:nvSpPr>
+          <p:cNvPr id="2" name="Title 1"/>
+          <p:cNvSpPr>
+            <a:spLocks noGrp="1"/>
+          </p:cNvSpPr>
+          <p:nvPr>
+            <p:ph type="title"/>
+          </p:nvPr>
+        </p:nvSpPr>
+        <p:spPr/>
+        <p:txBody>
+          <a:bodyPr/>
+          <a:lstStyle/>
+          <a:p>
+            <a:endParaRPr lang="sr-Latn-RS"/>
+          </a:p>
+        </p:txBody>
+      </p:sp>
+      <p:sp>
+        <p:nvSpPr>
+          <p:cNvPr id="3" name="Content Placeholder 2"/>
+          <p:cNvSpPr>
+            <a:spLocks noGrp="1"/>
+          </p:cNvSpPr>
+          <p:nvPr>
+            <p:ph sz="quarter" idx="10"/>
+          </p:nvPr>
+        </p:nvSpPr>
+        <p:spPr/>
+        <p:txBody>
+          <a:bodyPr/>
+          <a:lstStyle/>
+          <a:p>
+            <a:endParaRPr lang="sr-Latn-RS"/>
+          </a:p>
+        </p:txBody>
+      </p:sp>
+      <p:pic>
+        <p:nvPicPr>
+          <p:cNvPr id="4" name="Picture 3"/>
+          <p:cNvPicPr>
+            <a:picLocks noChangeAspect="1"/>
+          </p:cNvPicPr>
+          <p:nvPr/>
+        </p:nvPicPr>
+        <p:blipFill>
+          <a:blip r:embed="rId2"/>
+          <a:stretch>
+            <a:fillRect/>
+          </a:stretch>
+        </p:blipFill>
+        <p:spPr>
+          <a:xfrm>
+            <a:off x="0" y="0"/>
+            <a:ext cx="10292338" cy="5628424"/>
+          </a:xfrm>
+          <a:prstGeom prst="rect">
+            <a:avLst/>
+          </a:prstGeom>
+        </p:spPr>
+      </p:pic>
+    </p:spTree>
+    <p:extLst>
+      <p:ext uri="{BB962C8B-B14F-4D97-AF65-F5344CB8AC3E}">
+        <p14:creationId xmlns:p14="http://schemas.microsoft.com/office/powerpoint/2010/main" val="762602519"/>
+      </p:ext>
+    </p:extLst>
+  </p:cSld>
+  <p:clrMapOvr>
+    <a:masterClrMapping/>
+  </p:clrMapOvr>
+</p:sld>
+</file>
+
+<file path=ppt/slides/slide15.xml><?xml version="1.0" encoding="utf-8"?>
+<p:sld xmlns:a="http://schemas.openxmlformats.org/drawingml/2006/main" xmlns:r="http://schemas.openxmlformats.org/officeDocument/2006/relationships" xmlns:p="http://schemas.openxmlformats.org/presentationml/2006/main">
+  <p:cSld>
+    <p:spTree>
+      <p:nvGrpSpPr>
+        <p:cNvPr id="1" name=""/>
+        <p:cNvGrpSpPr/>
+        <p:nvPr/>
+      </p:nvGrpSpPr>
+      <p:grpSpPr>
+        <a:xfrm>
+          <a:off x="0" y="0"/>
+          <a:ext cx="0" cy="0"/>
+          <a:chOff x="0" y="0"/>
+          <a:chExt cx="0" cy="0"/>
+        </a:xfrm>
+      </p:grpSpPr>
+      <p:sp>
+        <p:nvSpPr>
+          <p:cNvPr id="2" name="Title 1"/>
+          <p:cNvSpPr>
+            <a:spLocks noGrp="1"/>
+          </p:cNvSpPr>
+          <p:nvPr>
+            <p:ph type="title"/>
+          </p:nvPr>
+        </p:nvSpPr>
+        <p:spPr/>
+        <p:txBody>
+          <a:bodyPr/>
+          <a:lstStyle/>
+          <a:p>
+            <a:r>
+              <a:rPr lang="en-US" smtClean="0"/>
+              <a:t>Scope chanin – drugi smer nije dozvoljen</a:t>
+            </a:r>
+            <a:endParaRPr lang="sr-Latn-RS"/>
+          </a:p>
+        </p:txBody>
+      </p:sp>
+      <p:sp>
+        <p:nvSpPr>
+          <p:cNvPr id="3" name="Content Placeholder 2"/>
+          <p:cNvSpPr>
+            <a:spLocks noGrp="1"/>
+          </p:cNvSpPr>
+          <p:nvPr>
+            <p:ph sz="quarter" idx="10"/>
+          </p:nvPr>
+        </p:nvSpPr>
+        <p:spPr>
+          <a:xfrm>
+            <a:off x="609600" y="2051050"/>
+            <a:ext cx="9045146" cy="1473546"/>
+          </a:xfrm>
+        </p:spPr>
+        <p:txBody>
+          <a:bodyPr/>
+          <a:lstStyle/>
+          <a:p>
+            <a:r>
+              <a:rPr lang="en-US" smtClean="0"/>
+              <a:t>Nikad iz global scope-a ne mozemo da pristupimo varijabli koja je u funkciji, OSIM ako ta funkcija VRATI vrednost pozivaocu!</a:t>
+            </a:r>
+            <a:endParaRPr lang="sr-Latn-RS"/>
+          </a:p>
+        </p:txBody>
+      </p:sp>
+      <p:pic>
+        <p:nvPicPr>
+          <p:cNvPr id="4" name="Picture 3"/>
+          <p:cNvPicPr>
+            <a:picLocks noChangeAspect="1"/>
+          </p:cNvPicPr>
+          <p:nvPr/>
+        </p:nvPicPr>
+        <p:blipFill>
+          <a:blip r:embed="rId2"/>
+          <a:stretch>
+            <a:fillRect/>
+          </a:stretch>
+        </p:blipFill>
+        <p:spPr>
+          <a:xfrm>
+            <a:off x="4405745" y="3078241"/>
+            <a:ext cx="5600257" cy="3062533"/>
+          </a:xfrm>
+          <a:prstGeom prst="rect">
+            <a:avLst/>
+          </a:prstGeom>
+        </p:spPr>
+      </p:pic>
+    </p:spTree>
+    <p:extLst>
+      <p:ext uri="{BB962C8B-B14F-4D97-AF65-F5344CB8AC3E}">
+        <p14:creationId xmlns:p14="http://schemas.microsoft.com/office/powerpoint/2010/main" val="80679936"/>
+      </p:ext>
+    </p:extLst>
+  </p:cSld>
+  <p:clrMapOvr>
+    <a:masterClrMapping/>
+  </p:clrMapOvr>
+</p:sld>
+</file>
+
+<file path=ppt/slides/slide16.xml><?xml version="1.0" encoding="utf-8"?>
+<p:sld xmlns:a="http://schemas.openxmlformats.org/drawingml/2006/main" xmlns:r="http://schemas.openxmlformats.org/officeDocument/2006/relationships" xmlns:p="http://schemas.openxmlformats.org/presentationml/2006/main">
+  <p:cSld>
+    <p:spTree>
+      <p:nvGrpSpPr>
+        <p:cNvPr id="1" name=""/>
+        <p:cNvGrpSpPr/>
+        <p:nvPr/>
+      </p:nvGrpSpPr>
+      <p:grpSpPr>
+        <a:xfrm>
+          <a:off x="0" y="0"/>
+          <a:ext cx="0" cy="0"/>
+          <a:chOff x="0" y="0"/>
+          <a:chExt cx="0" cy="0"/>
+        </a:xfrm>
+      </p:grpSpPr>
+      <p:sp>
+        <p:nvSpPr>
+          <p:cNvPr id="2" name="Title 1"/>
+          <p:cNvSpPr>
+            <a:spLocks noGrp="1"/>
+          </p:cNvSpPr>
+          <p:nvPr>
+            <p:ph type="title"/>
+          </p:nvPr>
+        </p:nvSpPr>
+        <p:spPr/>
+        <p:txBody>
+          <a:bodyPr/>
+          <a:lstStyle/>
+          <a:p>
+            <a:r>
+              <a:rPr lang="en-US" smtClean="0"/>
+              <a:t>Scope chain vs Execution context</a:t>
+            </a:r>
+            <a:endParaRPr lang="sr-Latn-RS"/>
+          </a:p>
+        </p:txBody>
+      </p:sp>
+      <p:pic>
+        <p:nvPicPr>
+          <p:cNvPr id="4" name="Picture 3"/>
+          <p:cNvPicPr>
+            <a:picLocks noChangeAspect="1"/>
+          </p:cNvPicPr>
+          <p:nvPr/>
+        </p:nvPicPr>
+        <p:blipFill>
+          <a:blip r:embed="rId2"/>
+          <a:stretch>
+            <a:fillRect/>
+          </a:stretch>
+        </p:blipFill>
+        <p:spPr>
+          <a:xfrm>
+            <a:off x="523702" y="1111348"/>
+            <a:ext cx="10039060" cy="4827662"/>
+          </a:xfrm>
+          <a:prstGeom prst="rect">
+            <a:avLst/>
+          </a:prstGeom>
+        </p:spPr>
+      </p:pic>
+    </p:spTree>
+    <p:extLst>
+      <p:ext uri="{BB962C8B-B14F-4D97-AF65-F5344CB8AC3E}">
+        <p14:creationId xmlns:p14="http://schemas.microsoft.com/office/powerpoint/2010/main" val="2067346118"/>
+      </p:ext>
+    </p:extLst>
+  </p:cSld>
+  <p:clrMapOvr>
+    <a:masterClrMapping/>
+  </p:clrMapOvr>
+</p:sld>
+</file>
+
+<file path=ppt/slides/slide17.xml><?xml version="1.0" encoding="utf-8"?>
+<p:sld xmlns:a="http://schemas.openxmlformats.org/drawingml/2006/main" xmlns:r="http://schemas.openxmlformats.org/officeDocument/2006/relationships" xmlns:p="http://schemas.openxmlformats.org/presentationml/2006/main">
+  <p:cSld>
+    <p:spTree>
+      <p:nvGrpSpPr>
+        <p:cNvPr id="1" name=""/>
+        <p:cNvGrpSpPr/>
+        <p:nvPr/>
+      </p:nvGrpSpPr>
+      <p:grpSpPr>
+        <a:xfrm>
+          <a:off x="0" y="0"/>
+          <a:ext cx="0" cy="0"/>
+          <a:chOff x="0" y="0"/>
+          <a:chExt cx="0" cy="0"/>
+        </a:xfrm>
+      </p:grpSpPr>
+      <p:sp>
+        <p:nvSpPr>
+          <p:cNvPr id="2" name="Title 1"/>
+          <p:cNvSpPr>
+            <a:spLocks noGrp="1"/>
+          </p:cNvSpPr>
+          <p:nvPr>
+            <p:ph type="title"/>
+          </p:nvPr>
+        </p:nvSpPr>
+        <p:spPr/>
+        <p:txBody>
+          <a:bodyPr/>
+          <a:lstStyle/>
+          <a:p>
+            <a:r>
+              <a:rPr lang="en-US" smtClean="0"/>
+              <a:t>‘this’ variable</a:t>
+            </a:r>
+            <a:endParaRPr lang="sr-Latn-RS"/>
+          </a:p>
+        </p:txBody>
+      </p:sp>
+      <p:pic>
+        <p:nvPicPr>
+          <p:cNvPr id="4" name="Picture 3"/>
+          <p:cNvPicPr>
+            <a:picLocks noChangeAspect="1"/>
+          </p:cNvPicPr>
+          <p:nvPr/>
+        </p:nvPicPr>
+        <p:blipFill>
+          <a:blip r:embed="rId2"/>
+          <a:stretch>
+            <a:fillRect/>
+          </a:stretch>
+        </p:blipFill>
+        <p:spPr>
+          <a:xfrm>
+            <a:off x="424831" y="1418400"/>
+            <a:ext cx="9027467" cy="4116273"/>
+          </a:xfrm>
+          <a:prstGeom prst="rect">
+            <a:avLst/>
+          </a:prstGeom>
+        </p:spPr>
+      </p:pic>
+      <p:pic>
+        <p:nvPicPr>
+          <p:cNvPr id="5" name="Picture 4"/>
+          <p:cNvPicPr>
+            <a:picLocks noChangeAspect="1"/>
+          </p:cNvPicPr>
+          <p:nvPr/>
+        </p:nvPicPr>
+        <p:blipFill>
+          <a:blip r:embed="rId3"/>
+          <a:stretch>
+            <a:fillRect/>
+          </a:stretch>
+        </p:blipFill>
+        <p:spPr>
+          <a:xfrm>
+            <a:off x="9636947" y="1418400"/>
+            <a:ext cx="2048161" cy="2343477"/>
+          </a:xfrm>
+          <a:prstGeom prst="rect">
+            <a:avLst/>
+          </a:prstGeom>
+        </p:spPr>
+      </p:pic>
+    </p:spTree>
+    <p:extLst>
+      <p:ext uri="{BB962C8B-B14F-4D97-AF65-F5344CB8AC3E}">
+        <p14:creationId xmlns:p14="http://schemas.microsoft.com/office/powerpoint/2010/main" val="3651124489"/>
+      </p:ext>
+    </p:extLst>
+  </p:cSld>
+  <p:clrMapOvr>
+    <a:masterClrMapping/>
+  </p:clrMapOvr>
+</p:sld>
+</file>
+
 <file path=ppt/slides/slide2.xml><?xml version="1.0" encoding="utf-8"?>
 <p:sld xmlns:a="http://schemas.openxmlformats.org/drawingml/2006/main" xmlns:r="http://schemas.openxmlformats.org/officeDocument/2006/relationships" xmlns:p="http://schemas.openxmlformats.org/presentationml/2006/main">
   <p:cSld>
@@ -7801,6 +8522,24 @@
           <a:lstStyle/>
           <a:p>
             <a:pPr lvl="1"/>
+            <a:r>
+              <a:rPr lang="en-US" smtClean="0"/>
+              <a:t>Kako formiramo objekat?</a:t>
+            </a:r>
+          </a:p>
+          <a:p>
+            <a:pPr lvl="1"/>
+            <a:r>
+              <a:rPr lang="en-US" smtClean="0"/>
+              <a:t>Kako dodajemo propertie-s objektu?</a:t>
+            </a:r>
+          </a:p>
+          <a:p>
+            <a:pPr lvl="1"/>
+            <a:r>
+              <a:rPr lang="en-US" smtClean="0"/>
+              <a:t>Kako formiramo metode novonastalom objektu?</a:t>
+            </a:r>
             <a:endParaRPr lang="sr-Latn-RS"/>
           </a:p>
         </p:txBody>
@@ -8179,23 +8918,15 @@
           <a:p>
             <a:r>
               <a:rPr lang="sr-Latn-RS" smtClean="0"/>
-              <a:t>Execution </a:t>
+              <a:t>Execution con</a:t>
+            </a:r>
+            <a:r>
+              <a:rPr lang="en-US" smtClean="0"/>
+              <a:t>te</a:t>
             </a:r>
             <a:r>
               <a:rPr lang="sr-Latn-RS" smtClean="0"/>
-              <a:t>con</a:t>
-            </a:r>
-            <a:r>
-              <a:rPr lang="en-US" smtClean="0"/>
-              <a:t>te</a:t>
-            </a:r>
-            <a:r>
-              <a:rPr lang="sr-Latn-RS" smtClean="0"/>
-              <a:t>xt </a:t>
-            </a:r>
-            <a:r>
-              <a:rPr lang="sr-Latn-RS" smtClean="0"/>
-              <a:t>– nastavak</a:t>
+              <a:t>xt – nastavak</a:t>
             </a:r>
             <a:endParaRPr lang="sr-Latn-RS"/>
           </a:p>
@@ -8324,6 +9055,183 @@
       </p:par>
     </p:tnLst>
   </p:timing>
+</p:sld>
+</file>
+
+<file path=ppt/slides/slide8.xml><?xml version="1.0" encoding="utf-8"?>
+<p:sld xmlns:a="http://schemas.openxmlformats.org/drawingml/2006/main" xmlns:r="http://schemas.openxmlformats.org/officeDocument/2006/relationships" xmlns:p="http://schemas.openxmlformats.org/presentationml/2006/main">
+  <p:cSld>
+    <p:spTree>
+      <p:nvGrpSpPr>
+        <p:cNvPr id="1" name=""/>
+        <p:cNvGrpSpPr/>
+        <p:nvPr/>
+      </p:nvGrpSpPr>
+      <p:grpSpPr>
+        <a:xfrm>
+          <a:off x="0" y="0"/>
+          <a:ext cx="0" cy="0"/>
+          <a:chOff x="0" y="0"/>
+          <a:chExt cx="0" cy="0"/>
+        </a:xfrm>
+      </p:grpSpPr>
+      <p:sp>
+        <p:nvSpPr>
+          <p:cNvPr id="2" name="Title 1"/>
+          <p:cNvSpPr>
+            <a:spLocks noGrp="1"/>
+          </p:cNvSpPr>
+          <p:nvPr>
+            <p:ph type="title"/>
+          </p:nvPr>
+        </p:nvSpPr>
+        <p:spPr/>
+        <p:txBody>
+          <a:bodyPr/>
+          <a:lstStyle/>
+          <a:p>
+            <a:r>
+              <a:rPr lang="en-US" smtClean="0"/>
+              <a:t>Execution stack</a:t>
+            </a:r>
+            <a:endParaRPr lang="sr-Latn-RS"/>
+          </a:p>
+        </p:txBody>
+      </p:sp>
+      <p:sp>
+        <p:nvSpPr>
+          <p:cNvPr id="3" name="Content Placeholder 2"/>
+          <p:cNvSpPr>
+            <a:spLocks noGrp="1"/>
+          </p:cNvSpPr>
+          <p:nvPr>
+            <p:ph sz="quarter" idx="10"/>
+          </p:nvPr>
+        </p:nvSpPr>
+        <p:spPr/>
+        <p:txBody>
+          <a:bodyPr/>
+          <a:lstStyle/>
+          <a:p>
+            <a:r>
+              <a:rPr lang="en-US" smtClean="0"/>
+              <a:t>Stack na kom u jednom momentu uvek postoji nekoliko funkcija koje su pozvane, a jos uvek su u procesu izvrsavanja!</a:t>
+            </a:r>
+            <a:endParaRPr lang="sr-Latn-RS"/>
+          </a:p>
+        </p:txBody>
+      </p:sp>
+    </p:spTree>
+    <p:extLst>
+      <p:ext uri="{BB962C8B-B14F-4D97-AF65-F5344CB8AC3E}">
+        <p14:creationId xmlns:p14="http://schemas.microsoft.com/office/powerpoint/2010/main" val="246624540"/>
+      </p:ext>
+    </p:extLst>
+  </p:cSld>
+  <p:clrMapOvr>
+    <a:masterClrMapping/>
+  </p:clrMapOvr>
+</p:sld>
+</file>
+
+<file path=ppt/slides/slide9.xml><?xml version="1.0" encoding="utf-8"?>
+<p:sld xmlns:a="http://schemas.openxmlformats.org/drawingml/2006/main" xmlns:r="http://schemas.openxmlformats.org/officeDocument/2006/relationships" xmlns:p="http://schemas.openxmlformats.org/presentationml/2006/main">
+  <p:cSld>
+    <p:spTree>
+      <p:nvGrpSpPr>
+        <p:cNvPr id="1" name=""/>
+        <p:cNvGrpSpPr/>
+        <p:nvPr/>
+      </p:nvGrpSpPr>
+      <p:grpSpPr>
+        <a:xfrm>
+          <a:off x="0" y="0"/>
+          <a:ext cx="0" cy="0"/>
+          <a:chOff x="0" y="0"/>
+          <a:chExt cx="0" cy="0"/>
+        </a:xfrm>
+      </p:grpSpPr>
+      <p:sp>
+        <p:nvSpPr>
+          <p:cNvPr id="2" name="Title 1"/>
+          <p:cNvSpPr>
+            <a:spLocks noGrp="1"/>
+          </p:cNvSpPr>
+          <p:nvPr>
+            <p:ph type="title"/>
+          </p:nvPr>
+        </p:nvSpPr>
+        <p:spPr/>
+        <p:txBody>
+          <a:bodyPr/>
+          <a:lstStyle/>
+          <a:p>
+            <a:r>
+              <a:rPr lang="en-US" smtClean="0"/>
+              <a:t>Execution context - detalji</a:t>
+            </a:r>
+            <a:endParaRPr lang="sr-Latn-RS"/>
+          </a:p>
+        </p:txBody>
+      </p:sp>
+      <p:pic>
+        <p:nvPicPr>
+          <p:cNvPr id="4" name="Picture 3"/>
+          <p:cNvPicPr>
+            <a:picLocks noChangeAspect="1"/>
+          </p:cNvPicPr>
+          <p:nvPr/>
+        </p:nvPicPr>
+        <p:blipFill>
+          <a:blip r:embed="rId2"/>
+          <a:stretch>
+            <a:fillRect/>
+          </a:stretch>
+        </p:blipFill>
+        <p:spPr>
+          <a:xfrm>
+            <a:off x="434912" y="1418400"/>
+            <a:ext cx="3240140" cy="4055356"/>
+          </a:xfrm>
+          <a:prstGeom prst="rect">
+            <a:avLst/>
+          </a:prstGeom>
+        </p:spPr>
+      </p:pic>
+      <p:pic>
+        <p:nvPicPr>
+          <p:cNvPr id="5" name="Picture 4"/>
+          <p:cNvPicPr>
+            <a:picLocks noChangeAspect="1"/>
+          </p:cNvPicPr>
+          <p:nvPr/>
+        </p:nvPicPr>
+        <p:blipFill>
+          <a:blip r:embed="rId3"/>
+          <a:stretch>
+            <a:fillRect/>
+          </a:stretch>
+        </p:blipFill>
+        <p:spPr>
+          <a:xfrm>
+            <a:off x="3675052" y="1418400"/>
+            <a:ext cx="6234020" cy="4774347"/>
+          </a:xfrm>
+          <a:prstGeom prst="rect">
+            <a:avLst/>
+          </a:prstGeom>
+        </p:spPr>
+      </p:pic>
+    </p:spTree>
+    <p:extLst>
+      <p:ext uri="{BB962C8B-B14F-4D97-AF65-F5344CB8AC3E}">
+        <p14:creationId xmlns:p14="http://schemas.microsoft.com/office/powerpoint/2010/main" val="832350630"/>
+      </p:ext>
+    </p:extLst>
+  </p:cSld>
+  <p:clrMapOvr>
+    <a:masterClrMapping/>
+  </p:clrMapOvr>
 </p:sld>
 </file>
 
